--- a/Store/outline.pptx
+++ b/Store/outline.pptx
@@ -265,7 +265,7 @@
           <a:p>
             <a:fld id="{95B7E5AE-4E20-4443-8EB7-6826520C18AF}" type="datetimeFigureOut">
               <a:rPr kumimoji="1" lang="zh-TW" altLang="en-US" smtClean="0"/>
-              <a:t>2023/4/27</a:t>
+              <a:t>2023/5/2</a:t>
             </a:fld>
             <a:endParaRPr kumimoji="1" lang="zh-TW" altLang="en-US"/>
           </a:p>
@@ -463,7 +463,7 @@
           <a:p>
             <a:fld id="{95B7E5AE-4E20-4443-8EB7-6826520C18AF}" type="datetimeFigureOut">
               <a:rPr kumimoji="1" lang="zh-TW" altLang="en-US" smtClean="0"/>
-              <a:t>2023/4/27</a:t>
+              <a:t>2023/5/2</a:t>
             </a:fld>
             <a:endParaRPr kumimoji="1" lang="zh-TW" altLang="en-US"/>
           </a:p>
@@ -671,7 +671,7 @@
           <a:p>
             <a:fld id="{95B7E5AE-4E20-4443-8EB7-6826520C18AF}" type="datetimeFigureOut">
               <a:rPr kumimoji="1" lang="zh-TW" altLang="en-US" smtClean="0"/>
-              <a:t>2023/4/27</a:t>
+              <a:t>2023/5/2</a:t>
             </a:fld>
             <a:endParaRPr kumimoji="1" lang="zh-TW" altLang="en-US"/>
           </a:p>
@@ -869,7 +869,7 @@
           <a:p>
             <a:fld id="{95B7E5AE-4E20-4443-8EB7-6826520C18AF}" type="datetimeFigureOut">
               <a:rPr kumimoji="1" lang="zh-TW" altLang="en-US" smtClean="0"/>
-              <a:t>2023/4/27</a:t>
+              <a:t>2023/5/2</a:t>
             </a:fld>
             <a:endParaRPr kumimoji="1" lang="zh-TW" altLang="en-US"/>
           </a:p>
@@ -1144,7 +1144,7 @@
           <a:p>
             <a:fld id="{95B7E5AE-4E20-4443-8EB7-6826520C18AF}" type="datetimeFigureOut">
               <a:rPr kumimoji="1" lang="zh-TW" altLang="en-US" smtClean="0"/>
-              <a:t>2023/4/27</a:t>
+              <a:t>2023/5/2</a:t>
             </a:fld>
             <a:endParaRPr kumimoji="1" lang="zh-TW" altLang="en-US"/>
           </a:p>
@@ -1409,7 +1409,7 @@
           <a:p>
             <a:fld id="{95B7E5AE-4E20-4443-8EB7-6826520C18AF}" type="datetimeFigureOut">
               <a:rPr kumimoji="1" lang="zh-TW" altLang="en-US" smtClean="0"/>
-              <a:t>2023/4/27</a:t>
+              <a:t>2023/5/2</a:t>
             </a:fld>
             <a:endParaRPr kumimoji="1" lang="zh-TW" altLang="en-US"/>
           </a:p>
@@ -1821,7 +1821,7 @@
           <a:p>
             <a:fld id="{95B7E5AE-4E20-4443-8EB7-6826520C18AF}" type="datetimeFigureOut">
               <a:rPr kumimoji="1" lang="zh-TW" altLang="en-US" smtClean="0"/>
-              <a:t>2023/4/27</a:t>
+              <a:t>2023/5/2</a:t>
             </a:fld>
             <a:endParaRPr kumimoji="1" lang="zh-TW" altLang="en-US"/>
           </a:p>
@@ -1962,7 +1962,7 @@
           <a:p>
             <a:fld id="{95B7E5AE-4E20-4443-8EB7-6826520C18AF}" type="datetimeFigureOut">
               <a:rPr kumimoji="1" lang="zh-TW" altLang="en-US" smtClean="0"/>
-              <a:t>2023/4/27</a:t>
+              <a:t>2023/5/2</a:t>
             </a:fld>
             <a:endParaRPr kumimoji="1" lang="zh-TW" altLang="en-US"/>
           </a:p>
@@ -2075,7 +2075,7 @@
           <a:p>
             <a:fld id="{95B7E5AE-4E20-4443-8EB7-6826520C18AF}" type="datetimeFigureOut">
               <a:rPr kumimoji="1" lang="zh-TW" altLang="en-US" smtClean="0"/>
-              <a:t>2023/4/27</a:t>
+              <a:t>2023/5/2</a:t>
             </a:fld>
             <a:endParaRPr kumimoji="1" lang="zh-TW" altLang="en-US"/>
           </a:p>
@@ -2386,7 +2386,7 @@
           <a:p>
             <a:fld id="{95B7E5AE-4E20-4443-8EB7-6826520C18AF}" type="datetimeFigureOut">
               <a:rPr kumimoji="1" lang="zh-TW" altLang="en-US" smtClean="0"/>
-              <a:t>2023/4/27</a:t>
+              <a:t>2023/5/2</a:t>
             </a:fld>
             <a:endParaRPr kumimoji="1" lang="zh-TW" altLang="en-US"/>
           </a:p>
@@ -2674,7 +2674,7 @@
           <a:p>
             <a:fld id="{95B7E5AE-4E20-4443-8EB7-6826520C18AF}" type="datetimeFigureOut">
               <a:rPr kumimoji="1" lang="zh-TW" altLang="en-US" smtClean="0"/>
-              <a:t>2023/4/27</a:t>
+              <a:t>2023/5/2</a:t>
             </a:fld>
             <a:endParaRPr kumimoji="1" lang="zh-TW" altLang="en-US"/>
           </a:p>
@@ -2915,7 +2915,7 @@
           <a:p>
             <a:fld id="{95B7E5AE-4E20-4443-8EB7-6826520C18AF}" type="datetimeFigureOut">
               <a:rPr kumimoji="1" lang="zh-TW" altLang="en-US" smtClean="0"/>
-              <a:t>2023/4/27</a:t>
+              <a:t>2023/5/2</a:t>
             </a:fld>
             <a:endParaRPr kumimoji="1" lang="zh-TW" altLang="en-US"/>
           </a:p>
@@ -5543,6 +5543,86 @@
           </a:p>
         </p:txBody>
       </p:sp>
+      <p:sp>
+        <p:nvSpPr>
+          <p:cNvPr id="27" name="文字方塊 26">
+            <a:extLst>
+              <a:ext uri="{FF2B5EF4-FFF2-40B4-BE49-F238E27FC236}">
+                <a16:creationId xmlns:a16="http://schemas.microsoft.com/office/drawing/2014/main" id="{6EAC136D-0311-79B7-1791-404B4C09E8F2}"/>
+              </a:ext>
+            </a:extLst>
+          </p:cNvPr>
+          <p:cNvSpPr txBox="1"/>
+          <p:nvPr/>
+        </p:nvSpPr>
+        <p:spPr>
+          <a:xfrm>
+            <a:off x="9974179" y="252663"/>
+            <a:ext cx="1107996" cy="369332"/>
+          </a:xfrm>
+          <a:prstGeom prst="rect">
+            <a:avLst/>
+          </a:prstGeom>
+          <a:noFill/>
+        </p:spPr>
+        <p:txBody>
+          <a:bodyPr wrap="none" rtlCol="0">
+            <a:spAutoFit/>
+          </a:bodyPr>
+          <a:lstStyle/>
+          <a:p>
+            <a:r>
+              <a:rPr kumimoji="1" lang="zh-TW" altLang="en-US" dirty="0">
+                <a:solidFill>
+                  <a:srgbClr val="FFC000"/>
+                </a:solidFill>
+              </a:rPr>
+              <a:t>匯入檔案</a:t>
+            </a:r>
+            <a:endParaRPr kumimoji="1" lang="zh-TW" altLang="en-US" dirty="0"/>
+          </a:p>
+        </p:txBody>
+      </p:sp>
+      <p:sp>
+        <p:nvSpPr>
+          <p:cNvPr id="29" name="文字方塊 28">
+            <a:extLst>
+              <a:ext uri="{FF2B5EF4-FFF2-40B4-BE49-F238E27FC236}">
+                <a16:creationId xmlns:a16="http://schemas.microsoft.com/office/drawing/2014/main" id="{CD5449FD-AA06-5F52-58B3-8544F9CAF2E6}"/>
+              </a:ext>
+            </a:extLst>
+          </p:cNvPr>
+          <p:cNvSpPr txBox="1"/>
+          <p:nvPr/>
+        </p:nvSpPr>
+        <p:spPr>
+          <a:xfrm>
+            <a:off x="9974179" y="853994"/>
+            <a:ext cx="1107996" cy="369332"/>
+          </a:xfrm>
+          <a:prstGeom prst="rect">
+            <a:avLst/>
+          </a:prstGeom>
+          <a:noFill/>
+        </p:spPr>
+        <p:txBody>
+          <a:bodyPr wrap="none" rtlCol="0">
+            <a:spAutoFit/>
+          </a:bodyPr>
+          <a:lstStyle/>
+          <a:p>
+            <a:r>
+              <a:rPr kumimoji="1" lang="zh-TW" altLang="en-US" dirty="0">
+                <a:solidFill>
+                  <a:srgbClr val="FFC000"/>
+                </a:solidFill>
+              </a:rPr>
+              <a:t>匯出檔案</a:t>
+            </a:r>
+            <a:endParaRPr kumimoji="1" lang="zh-TW" altLang="en-US" dirty="0"/>
+          </a:p>
+        </p:txBody>
+      </p:sp>
     </p:spTree>
     <p:extLst>
       <p:ext uri="{BB962C8B-B14F-4D97-AF65-F5344CB8AC3E}">
@@ -5623,7 +5703,7 @@
         <p:spPr>
           <a:xfrm>
             <a:off x="1408786" y="609964"/>
-            <a:ext cx="9908482" cy="369332"/>
+            <a:ext cx="8496237" cy="369332"/>
           </a:xfrm>
           <a:prstGeom prst="rect">
             <a:avLst/>
@@ -5675,22 +5755,6 @@
             <a:r>
               <a:rPr kumimoji="1" lang="zh-TW" altLang="en-US" dirty="0"/>
               <a:t>管理員資料 </a:t>
-            </a:r>
-            <a:r>
-              <a:rPr kumimoji="1" lang="en-US" altLang="zh-TW" dirty="0">
-                <a:solidFill>
-                  <a:srgbClr val="FFC000"/>
-                </a:solidFill>
-              </a:rPr>
-              <a:t>(6)</a:t>
-            </a:r>
-            <a:r>
-              <a:rPr kumimoji="1" lang="zh-TW" altLang="en-US" dirty="0">
-                <a:solidFill>
-                  <a:srgbClr val="FFC000"/>
-                </a:solidFill>
-              </a:rPr>
-              <a:t>匯出資料</a:t>
             </a:r>
             <a:r>
               <a:rPr kumimoji="1" lang="en-US" altLang="zh-TW" dirty="0"/>
@@ -6281,7 +6345,7 @@
         <p:spPr>
           <a:xfrm>
             <a:off x="854788" y="3972055"/>
-            <a:ext cx="3977371" cy="369332"/>
+            <a:ext cx="2792752" cy="369332"/>
           </a:xfrm>
           <a:prstGeom prst="rect">
             <a:avLst/>
@@ -6301,18 +6365,6 @@
             <a:r>
               <a:rPr kumimoji="1" lang="zh-TW" altLang="en-US" dirty="0"/>
               <a:t>手動添加 </a:t>
-            </a:r>
-            <a:r>
-              <a:rPr kumimoji="1" lang="en-US" altLang="zh-TW" dirty="0"/>
-              <a:t>{2}</a:t>
-            </a:r>
-            <a:r>
-              <a:rPr kumimoji="1" lang="zh-TW" altLang="en-US" dirty="0">
-                <a:solidFill>
-                  <a:srgbClr val="FFC000"/>
-                </a:solidFill>
-              </a:rPr>
-              <a:t>匯入檔案</a:t>
             </a:r>
             <a:r>
               <a:rPr kumimoji="1" lang="en-US" altLang="zh-TW" dirty="0"/>

--- a/Store/outline.pptx
+++ b/Store/outline.pptx
@@ -5,13 +5,14 @@
     <p:sldMasterId id="2147483648" r:id="rId1"/>
   </p:sldMasterIdLst>
   <p:sldIdLst>
-    <p:sldId id="256" r:id="rId2"/>
-    <p:sldId id="257" r:id="rId3"/>
-    <p:sldId id="258" r:id="rId4"/>
-    <p:sldId id="259" r:id="rId5"/>
-    <p:sldId id="262" r:id="rId6"/>
-    <p:sldId id="260" r:id="rId7"/>
-    <p:sldId id="261" r:id="rId8"/>
+    <p:sldId id="263" r:id="rId2"/>
+    <p:sldId id="256" r:id="rId3"/>
+    <p:sldId id="257" r:id="rId4"/>
+    <p:sldId id="258" r:id="rId5"/>
+    <p:sldId id="259" r:id="rId6"/>
+    <p:sldId id="262" r:id="rId7"/>
+    <p:sldId id="260" r:id="rId8"/>
+    <p:sldId id="261" r:id="rId9"/>
   </p:sldIdLst>
   <p:sldSz cx="12192000" cy="6858000"/>
   <p:notesSz cx="6858000" cy="9144000"/>
@@ -265,7 +266,7 @@
           <a:p>
             <a:fld id="{95B7E5AE-4E20-4443-8EB7-6826520C18AF}" type="datetimeFigureOut">
               <a:rPr kumimoji="1" lang="zh-TW" altLang="en-US" smtClean="0"/>
-              <a:t>2023/5/2</a:t>
+              <a:t>2023/5/4</a:t>
             </a:fld>
             <a:endParaRPr kumimoji="1" lang="zh-TW" altLang="en-US"/>
           </a:p>
@@ -463,7 +464,7 @@
           <a:p>
             <a:fld id="{95B7E5AE-4E20-4443-8EB7-6826520C18AF}" type="datetimeFigureOut">
               <a:rPr kumimoji="1" lang="zh-TW" altLang="en-US" smtClean="0"/>
-              <a:t>2023/5/2</a:t>
+              <a:t>2023/5/4</a:t>
             </a:fld>
             <a:endParaRPr kumimoji="1" lang="zh-TW" altLang="en-US"/>
           </a:p>
@@ -671,7 +672,7 @@
           <a:p>
             <a:fld id="{95B7E5AE-4E20-4443-8EB7-6826520C18AF}" type="datetimeFigureOut">
               <a:rPr kumimoji="1" lang="zh-TW" altLang="en-US" smtClean="0"/>
-              <a:t>2023/5/2</a:t>
+              <a:t>2023/5/4</a:t>
             </a:fld>
             <a:endParaRPr kumimoji="1" lang="zh-TW" altLang="en-US"/>
           </a:p>
@@ -869,7 +870,7 @@
           <a:p>
             <a:fld id="{95B7E5AE-4E20-4443-8EB7-6826520C18AF}" type="datetimeFigureOut">
               <a:rPr kumimoji="1" lang="zh-TW" altLang="en-US" smtClean="0"/>
-              <a:t>2023/5/2</a:t>
+              <a:t>2023/5/4</a:t>
             </a:fld>
             <a:endParaRPr kumimoji="1" lang="zh-TW" altLang="en-US"/>
           </a:p>
@@ -1144,7 +1145,7 @@
           <a:p>
             <a:fld id="{95B7E5AE-4E20-4443-8EB7-6826520C18AF}" type="datetimeFigureOut">
               <a:rPr kumimoji="1" lang="zh-TW" altLang="en-US" smtClean="0"/>
-              <a:t>2023/5/2</a:t>
+              <a:t>2023/5/4</a:t>
             </a:fld>
             <a:endParaRPr kumimoji="1" lang="zh-TW" altLang="en-US"/>
           </a:p>
@@ -1409,7 +1410,7 @@
           <a:p>
             <a:fld id="{95B7E5AE-4E20-4443-8EB7-6826520C18AF}" type="datetimeFigureOut">
               <a:rPr kumimoji="1" lang="zh-TW" altLang="en-US" smtClean="0"/>
-              <a:t>2023/5/2</a:t>
+              <a:t>2023/5/4</a:t>
             </a:fld>
             <a:endParaRPr kumimoji="1" lang="zh-TW" altLang="en-US"/>
           </a:p>
@@ -1821,7 +1822,7 @@
           <a:p>
             <a:fld id="{95B7E5AE-4E20-4443-8EB7-6826520C18AF}" type="datetimeFigureOut">
               <a:rPr kumimoji="1" lang="zh-TW" altLang="en-US" smtClean="0"/>
-              <a:t>2023/5/2</a:t>
+              <a:t>2023/5/4</a:t>
             </a:fld>
             <a:endParaRPr kumimoji="1" lang="zh-TW" altLang="en-US"/>
           </a:p>
@@ -1962,7 +1963,7 @@
           <a:p>
             <a:fld id="{95B7E5AE-4E20-4443-8EB7-6826520C18AF}" type="datetimeFigureOut">
               <a:rPr kumimoji="1" lang="zh-TW" altLang="en-US" smtClean="0"/>
-              <a:t>2023/5/2</a:t>
+              <a:t>2023/5/4</a:t>
             </a:fld>
             <a:endParaRPr kumimoji="1" lang="zh-TW" altLang="en-US"/>
           </a:p>
@@ -2075,7 +2076,7 @@
           <a:p>
             <a:fld id="{95B7E5AE-4E20-4443-8EB7-6826520C18AF}" type="datetimeFigureOut">
               <a:rPr kumimoji="1" lang="zh-TW" altLang="en-US" smtClean="0"/>
-              <a:t>2023/5/2</a:t>
+              <a:t>2023/5/4</a:t>
             </a:fld>
             <a:endParaRPr kumimoji="1" lang="zh-TW" altLang="en-US"/>
           </a:p>
@@ -2386,7 +2387,7 @@
           <a:p>
             <a:fld id="{95B7E5AE-4E20-4443-8EB7-6826520C18AF}" type="datetimeFigureOut">
               <a:rPr kumimoji="1" lang="zh-TW" altLang="en-US" smtClean="0"/>
-              <a:t>2023/5/2</a:t>
+              <a:t>2023/5/4</a:t>
             </a:fld>
             <a:endParaRPr kumimoji="1" lang="zh-TW" altLang="en-US"/>
           </a:p>
@@ -2674,7 +2675,7 @@
           <a:p>
             <a:fld id="{95B7E5AE-4E20-4443-8EB7-6826520C18AF}" type="datetimeFigureOut">
               <a:rPr kumimoji="1" lang="zh-TW" altLang="en-US" smtClean="0"/>
-              <a:t>2023/5/2</a:t>
+              <a:t>2023/5/4</a:t>
             </a:fld>
             <a:endParaRPr kumimoji="1" lang="zh-TW" altLang="en-US"/>
           </a:p>
@@ -2915,7 +2916,7 @@
           <a:p>
             <a:fld id="{95B7E5AE-4E20-4443-8EB7-6826520C18AF}" type="datetimeFigureOut">
               <a:rPr kumimoji="1" lang="zh-TW" altLang="en-US" smtClean="0"/>
-              <a:t>2023/5/2</a:t>
+              <a:t>2023/5/4</a:t>
             </a:fld>
             <a:endParaRPr kumimoji="1" lang="zh-TW" altLang="en-US"/>
           </a:p>
@@ -3332,6 +3333,114 @@
           <a:chExt cx="0" cy="0"/>
         </a:xfrm>
       </p:grpSpPr>
+      <p:sp>
+        <p:nvSpPr>
+          <p:cNvPr id="2" name="標題 1">
+            <a:extLst>
+              <a:ext uri="{FF2B5EF4-FFF2-40B4-BE49-F238E27FC236}">
+                <a16:creationId xmlns:a16="http://schemas.microsoft.com/office/drawing/2014/main" id="{B2C9D4D5-D3F2-1EB1-21C3-E29D3FED2ED7}"/>
+              </a:ext>
+            </a:extLst>
+          </p:cNvPr>
+          <p:cNvSpPr>
+            <a:spLocks noGrp="1"/>
+          </p:cNvSpPr>
+          <p:nvPr>
+            <p:ph type="title"/>
+          </p:nvPr>
+        </p:nvSpPr>
+        <p:spPr/>
+        <p:txBody>
+          <a:bodyPr/>
+          <a:lstStyle/>
+          <a:p>
+            <a:pPr algn="ctr"/>
+            <a:r>
+              <a:rPr kumimoji="1" lang="zh-TW" altLang="en-US" b="1" dirty="0">
+                <a:latin typeface="Microsoft JhengHei" panose="020B0604030504040204" pitchFamily="34" charset="-120"/>
+                <a:ea typeface="Microsoft JhengHei" panose="020B0604030504040204" pitchFamily="34" charset="-120"/>
+              </a:rPr>
+              <a:t>第五組</a:t>
+            </a:r>
+          </a:p>
+        </p:txBody>
+      </p:sp>
+      <p:sp>
+        <p:nvSpPr>
+          <p:cNvPr id="3" name="內容版面配置區 2">
+            <a:extLst>
+              <a:ext uri="{FF2B5EF4-FFF2-40B4-BE49-F238E27FC236}">
+                <a16:creationId xmlns:a16="http://schemas.microsoft.com/office/drawing/2014/main" id="{4C83EF26-E3C8-2628-823D-010E34E67F12}"/>
+              </a:ext>
+            </a:extLst>
+          </p:cNvPr>
+          <p:cNvSpPr>
+            <a:spLocks noGrp="1"/>
+          </p:cNvSpPr>
+          <p:nvPr>
+            <p:ph idx="1"/>
+          </p:nvPr>
+        </p:nvSpPr>
+        <p:spPr/>
+        <p:txBody>
+          <a:bodyPr/>
+          <a:lstStyle/>
+          <a:p>
+            <a:pPr marL="0" indent="0">
+              <a:buNone/>
+            </a:pPr>
+            <a:r>
+              <a:rPr kumimoji="1" lang="zh-TW" altLang="en-US" dirty="0"/>
+              <a:t>組員：</a:t>
+            </a:r>
+            <a:endParaRPr kumimoji="1" lang="en-US" altLang="zh-TW" dirty="0"/>
+          </a:p>
+          <a:p>
+            <a:pPr marL="0" indent="0">
+              <a:buNone/>
+            </a:pPr>
+            <a:r>
+              <a:rPr kumimoji="1" lang="zh-TW" altLang="en-US" dirty="0"/>
+              <a:t>            許世昕   </a:t>
+            </a:r>
+            <a:r>
+              <a:rPr kumimoji="1" lang="en-US" altLang="zh-TW" dirty="0"/>
+              <a:t>411410067 </a:t>
+            </a:r>
+            <a:endParaRPr kumimoji="1" lang="zh-TW" altLang="en-US" dirty="0"/>
+          </a:p>
+        </p:txBody>
+      </p:sp>
+    </p:spTree>
+    <p:extLst>
+      <p:ext uri="{BB962C8B-B14F-4D97-AF65-F5344CB8AC3E}">
+        <p14:creationId xmlns:p14="http://schemas.microsoft.com/office/powerpoint/2010/main" val="1368820124"/>
+      </p:ext>
+    </p:extLst>
+  </p:cSld>
+  <p:clrMapOvr>
+    <a:masterClrMapping/>
+  </p:clrMapOvr>
+</p:sld>
+</file>
+
+<file path=ppt/slides/slide2.xml><?xml version="1.0" encoding="utf-8"?>
+<p:sld xmlns:a="http://schemas.openxmlformats.org/drawingml/2006/main" xmlns:r="http://schemas.openxmlformats.org/officeDocument/2006/relationships" xmlns:p="http://schemas.openxmlformats.org/presentationml/2006/main">
+  <p:cSld>
+    <p:spTree>
+      <p:nvGrpSpPr>
+        <p:cNvPr id="1" name=""/>
+        <p:cNvGrpSpPr/>
+        <p:nvPr/>
+      </p:nvGrpSpPr>
+      <p:grpSpPr>
+        <a:xfrm>
+          <a:off x="0" y="0"/>
+          <a:ext cx="0" cy="0"/>
+          <a:chOff x="0" y="0"/>
+          <a:chExt cx="0" cy="0"/>
+        </a:xfrm>
+      </p:grpSpPr>
       <p:graphicFrame>
         <p:nvGraphicFramePr>
           <p:cNvPr id="4" name="表格 4">
@@ -4473,7 +4582,7 @@
 </p:sld>
 </file>
 
-<file path=ppt/slides/slide2.xml><?xml version="1.0" encoding="utf-8"?>
+<file path=ppt/slides/slide3.xml><?xml version="1.0" encoding="utf-8"?>
 <p:sld xmlns:a="http://schemas.openxmlformats.org/drawingml/2006/main" xmlns:r="http://schemas.openxmlformats.org/officeDocument/2006/relationships" xmlns:p="http://schemas.openxmlformats.org/presentationml/2006/main">
   <p:cSld>
     <p:spTree>
@@ -5636,7 +5745,7 @@
 </p:sld>
 </file>
 
-<file path=ppt/slides/slide3.xml><?xml version="1.0" encoding="utf-8"?>
+<file path=ppt/slides/slide4.xml><?xml version="1.0" encoding="utf-8"?>
 <p:sld xmlns:a="http://schemas.openxmlformats.org/drawingml/2006/main" xmlns:r="http://schemas.openxmlformats.org/officeDocument/2006/relationships" xmlns:p="http://schemas.openxmlformats.org/presentationml/2006/main">
   <p:cSld>
     <p:spTree>
@@ -6899,7 +7008,7 @@
 </p:sld>
 </file>
 
-<file path=ppt/slides/slide4.xml><?xml version="1.0" encoding="utf-8"?>
+<file path=ppt/slides/slide5.xml><?xml version="1.0" encoding="utf-8"?>
 <p:sld xmlns:a="http://schemas.openxmlformats.org/drawingml/2006/main" xmlns:r="http://schemas.openxmlformats.org/officeDocument/2006/relationships" xmlns:p="http://schemas.openxmlformats.org/presentationml/2006/main">
   <p:cSld>
     <p:spTree>
@@ -7897,7 +8006,7 @@
 </p:sld>
 </file>
 
-<file path=ppt/slides/slide5.xml><?xml version="1.0" encoding="utf-8"?>
+<file path=ppt/slides/slide6.xml><?xml version="1.0" encoding="utf-8"?>
 <p:sld xmlns:a="http://schemas.openxmlformats.org/drawingml/2006/main" xmlns:r="http://schemas.openxmlformats.org/officeDocument/2006/relationships" xmlns:p="http://schemas.openxmlformats.org/presentationml/2006/main">
   <p:cSld>
     <p:spTree>
@@ -8732,7 +8841,7 @@
 </p:sld>
 </file>
 
-<file path=ppt/slides/slide6.xml><?xml version="1.0" encoding="utf-8"?>
+<file path=ppt/slides/slide7.xml><?xml version="1.0" encoding="utf-8"?>
 <p:sld xmlns:a="http://schemas.openxmlformats.org/drawingml/2006/main" xmlns:r="http://schemas.openxmlformats.org/officeDocument/2006/relationships" xmlns:p="http://schemas.openxmlformats.org/presentationml/2006/main">
   <p:cSld>
     <p:spTree>
@@ -10003,7 +10112,7 @@
 </p:sld>
 </file>
 
-<file path=ppt/slides/slide7.xml><?xml version="1.0" encoding="utf-8"?>
+<file path=ppt/slides/slide8.xml><?xml version="1.0" encoding="utf-8"?>
 <p:sld xmlns:a="http://schemas.openxmlformats.org/drawingml/2006/main" xmlns:r="http://schemas.openxmlformats.org/officeDocument/2006/relationships" xmlns:p="http://schemas.openxmlformats.org/presentationml/2006/main">
   <p:cSld>
     <p:spTree>

--- a/Store/outline.pptx
+++ b/Store/outline.pptx
@@ -266,7 +266,7 @@
           <a:p>
             <a:fld id="{95B7E5AE-4E20-4443-8EB7-6826520C18AF}" type="datetimeFigureOut">
               <a:rPr kumimoji="1" lang="zh-TW" altLang="en-US" smtClean="0"/>
-              <a:t>2023/5/4</a:t>
+              <a:t>2023/5/7</a:t>
             </a:fld>
             <a:endParaRPr kumimoji="1" lang="zh-TW" altLang="en-US"/>
           </a:p>
@@ -464,7 +464,7 @@
           <a:p>
             <a:fld id="{95B7E5AE-4E20-4443-8EB7-6826520C18AF}" type="datetimeFigureOut">
               <a:rPr kumimoji="1" lang="zh-TW" altLang="en-US" smtClean="0"/>
-              <a:t>2023/5/4</a:t>
+              <a:t>2023/5/7</a:t>
             </a:fld>
             <a:endParaRPr kumimoji="1" lang="zh-TW" altLang="en-US"/>
           </a:p>
@@ -672,7 +672,7 @@
           <a:p>
             <a:fld id="{95B7E5AE-4E20-4443-8EB7-6826520C18AF}" type="datetimeFigureOut">
               <a:rPr kumimoji="1" lang="zh-TW" altLang="en-US" smtClean="0"/>
-              <a:t>2023/5/4</a:t>
+              <a:t>2023/5/7</a:t>
             </a:fld>
             <a:endParaRPr kumimoji="1" lang="zh-TW" altLang="en-US"/>
           </a:p>
@@ -870,7 +870,7 @@
           <a:p>
             <a:fld id="{95B7E5AE-4E20-4443-8EB7-6826520C18AF}" type="datetimeFigureOut">
               <a:rPr kumimoji="1" lang="zh-TW" altLang="en-US" smtClean="0"/>
-              <a:t>2023/5/4</a:t>
+              <a:t>2023/5/7</a:t>
             </a:fld>
             <a:endParaRPr kumimoji="1" lang="zh-TW" altLang="en-US"/>
           </a:p>
@@ -1145,7 +1145,7 @@
           <a:p>
             <a:fld id="{95B7E5AE-4E20-4443-8EB7-6826520C18AF}" type="datetimeFigureOut">
               <a:rPr kumimoji="1" lang="zh-TW" altLang="en-US" smtClean="0"/>
-              <a:t>2023/5/4</a:t>
+              <a:t>2023/5/7</a:t>
             </a:fld>
             <a:endParaRPr kumimoji="1" lang="zh-TW" altLang="en-US"/>
           </a:p>
@@ -1410,7 +1410,7 @@
           <a:p>
             <a:fld id="{95B7E5AE-4E20-4443-8EB7-6826520C18AF}" type="datetimeFigureOut">
               <a:rPr kumimoji="1" lang="zh-TW" altLang="en-US" smtClean="0"/>
-              <a:t>2023/5/4</a:t>
+              <a:t>2023/5/7</a:t>
             </a:fld>
             <a:endParaRPr kumimoji="1" lang="zh-TW" altLang="en-US"/>
           </a:p>
@@ -1822,7 +1822,7 @@
           <a:p>
             <a:fld id="{95B7E5AE-4E20-4443-8EB7-6826520C18AF}" type="datetimeFigureOut">
               <a:rPr kumimoji="1" lang="zh-TW" altLang="en-US" smtClean="0"/>
-              <a:t>2023/5/4</a:t>
+              <a:t>2023/5/7</a:t>
             </a:fld>
             <a:endParaRPr kumimoji="1" lang="zh-TW" altLang="en-US"/>
           </a:p>
@@ -1963,7 +1963,7 @@
           <a:p>
             <a:fld id="{95B7E5AE-4E20-4443-8EB7-6826520C18AF}" type="datetimeFigureOut">
               <a:rPr kumimoji="1" lang="zh-TW" altLang="en-US" smtClean="0"/>
-              <a:t>2023/5/4</a:t>
+              <a:t>2023/5/7</a:t>
             </a:fld>
             <a:endParaRPr kumimoji="1" lang="zh-TW" altLang="en-US"/>
           </a:p>
@@ -2076,7 +2076,7 @@
           <a:p>
             <a:fld id="{95B7E5AE-4E20-4443-8EB7-6826520C18AF}" type="datetimeFigureOut">
               <a:rPr kumimoji="1" lang="zh-TW" altLang="en-US" smtClean="0"/>
-              <a:t>2023/5/4</a:t>
+              <a:t>2023/5/7</a:t>
             </a:fld>
             <a:endParaRPr kumimoji="1" lang="zh-TW" altLang="en-US"/>
           </a:p>
@@ -2387,7 +2387,7 @@
           <a:p>
             <a:fld id="{95B7E5AE-4E20-4443-8EB7-6826520C18AF}" type="datetimeFigureOut">
               <a:rPr kumimoji="1" lang="zh-TW" altLang="en-US" smtClean="0"/>
-              <a:t>2023/5/4</a:t>
+              <a:t>2023/5/7</a:t>
             </a:fld>
             <a:endParaRPr kumimoji="1" lang="zh-TW" altLang="en-US"/>
           </a:p>
@@ -2675,7 +2675,7 @@
           <a:p>
             <a:fld id="{95B7E5AE-4E20-4443-8EB7-6826520C18AF}" type="datetimeFigureOut">
               <a:rPr kumimoji="1" lang="zh-TW" altLang="en-US" smtClean="0"/>
-              <a:t>2023/5/4</a:t>
+              <a:t>2023/5/7</a:t>
             </a:fld>
             <a:endParaRPr kumimoji="1" lang="zh-TW" altLang="en-US"/>
           </a:p>
@@ -2916,7 +2916,7 @@
           <a:p>
             <a:fld id="{95B7E5AE-4E20-4443-8EB7-6826520C18AF}" type="datetimeFigureOut">
               <a:rPr kumimoji="1" lang="zh-TW" altLang="en-US" smtClean="0"/>
-              <a:t>2023/5/4</a:t>
+              <a:t>2023/5/7</a:t>
             </a:fld>
             <a:endParaRPr kumimoji="1" lang="zh-TW" altLang="en-US"/>
           </a:p>
@@ -3351,12 +3351,14 @@
         </p:nvSpPr>
         <p:spPr/>
         <p:txBody>
-          <a:bodyPr/>
+          <a:bodyPr>
+            <a:normAutofit/>
+          </a:bodyPr>
           <a:lstStyle/>
           <a:p>
             <a:pPr algn="ctr"/>
             <a:r>
-              <a:rPr kumimoji="1" lang="zh-TW" altLang="en-US" b="1" dirty="0">
+              <a:rPr kumimoji="1" lang="zh-TW" altLang="en-US" sz="8800" b="1" dirty="0">
                 <a:latin typeface="Microsoft JhengHei" panose="020B0604030504040204" pitchFamily="34" charset="-120"/>
                 <a:ea typeface="Microsoft JhengHei" panose="020B0604030504040204" pitchFamily="34" charset="-120"/>
               </a:rPr>
@@ -3381,33 +3383,99 @@
             <p:ph idx="1"/>
           </p:nvPr>
         </p:nvSpPr>
-        <p:spPr/>
-        <p:txBody>
-          <a:bodyPr/>
+        <p:spPr>
+          <a:xfrm>
+            <a:off x="1957136" y="1957972"/>
+            <a:ext cx="8065169" cy="4351338"/>
+          </a:xfrm>
+        </p:spPr>
+        <p:txBody>
+          <a:bodyPr>
+            <a:normAutofit/>
+          </a:bodyPr>
           <a:lstStyle/>
           <a:p>
             <a:pPr marL="0" indent="0">
               <a:buNone/>
             </a:pPr>
             <a:r>
-              <a:rPr kumimoji="1" lang="zh-TW" altLang="en-US" dirty="0"/>
+              <a:rPr kumimoji="1" lang="zh-TW" altLang="en-US" sz="4800" dirty="0"/>
               <a:t>組員：</a:t>
             </a:r>
-            <a:endParaRPr kumimoji="1" lang="en-US" altLang="zh-TW" dirty="0"/>
+            <a:endParaRPr kumimoji="1" lang="en-US" altLang="zh-TW" sz="4800" dirty="0"/>
           </a:p>
           <a:p>
             <a:pPr marL="0" indent="0">
               <a:buNone/>
             </a:pPr>
             <a:r>
-              <a:rPr kumimoji="1" lang="zh-TW" altLang="en-US" dirty="0"/>
+              <a:rPr kumimoji="1" lang="zh-TW" altLang="en-US" sz="4800" dirty="0"/>
               <a:t>            許世昕   </a:t>
             </a:r>
             <a:r>
-              <a:rPr kumimoji="1" lang="en-US" altLang="zh-TW" dirty="0"/>
-              <a:t>411410067 </a:t>
-            </a:r>
-            <a:endParaRPr kumimoji="1" lang="zh-TW" altLang="en-US" dirty="0"/>
+              <a:rPr kumimoji="1" lang="en-US" altLang="zh-TW" sz="4800" dirty="0"/>
+              <a:t>411410067</a:t>
+            </a:r>
+          </a:p>
+          <a:p>
+            <a:pPr marL="0" indent="0">
+              <a:buNone/>
+            </a:pPr>
+            <a:r>
+              <a:rPr kumimoji="1" lang="en-US" altLang="zh-TW" sz="4800" dirty="0"/>
+              <a:t>            </a:t>
+            </a:r>
+            <a:r>
+              <a:rPr kumimoji="1" lang="zh-TW" altLang="en-US" sz="4800" dirty="0"/>
+              <a:t>葉暄鴻  </a:t>
+            </a:r>
+            <a:r>
+              <a:rPr kumimoji="1" lang="en-US" altLang="zh-TW" sz="4800" dirty="0"/>
+              <a:t>411410091</a:t>
+            </a:r>
+          </a:p>
+          <a:p>
+            <a:pPr marL="0" indent="0">
+              <a:buNone/>
+            </a:pPr>
+            <a:r>
+              <a:rPr kumimoji="1" lang="en-US" altLang="zh-TW" sz="4800" dirty="0"/>
+              <a:t>            </a:t>
+            </a:r>
+            <a:r>
+              <a:rPr kumimoji="1" lang="zh-TW" altLang="en-US" sz="4800" dirty="0"/>
+              <a:t>蕭子期</a:t>
+            </a:r>
+            <a:r>
+              <a:rPr kumimoji="1" lang="en-US" altLang="zh-TW" sz="4800" dirty="0"/>
+              <a:t> </a:t>
+            </a:r>
+            <a:r>
+              <a:rPr kumimoji="1" lang="zh-TW" altLang="en-US" sz="4800" dirty="0"/>
+              <a:t> </a:t>
+            </a:r>
+            <a:r>
+              <a:rPr kumimoji="1" lang="en-US" altLang="zh-TW" sz="4800" dirty="0"/>
+              <a:t>411410055</a:t>
+            </a:r>
+          </a:p>
+          <a:p>
+            <a:pPr marL="0" indent="0">
+              <a:buNone/>
+            </a:pPr>
+            <a:r>
+              <a:rPr kumimoji="1" lang="en-US" altLang="zh-TW" sz="4800" dirty="0"/>
+              <a:t>            </a:t>
+            </a:r>
+            <a:r>
+              <a:rPr kumimoji="1" lang="zh-TW" altLang="en-US" sz="4800" dirty="0"/>
+              <a:t>洪子傑  </a:t>
+            </a:r>
+            <a:r>
+              <a:rPr kumimoji="1" lang="en-US" altLang="zh-TW" sz="4800" dirty="0"/>
+              <a:t>411410073</a:t>
+            </a:r>
+            <a:endParaRPr kumimoji="1" lang="zh-TW" altLang="en-US" sz="4800" dirty="0"/>
           </a:p>
         </p:txBody>
       </p:sp>
@@ -4440,7 +4508,7 @@
         <p:spPr>
           <a:xfrm>
             <a:off x="8353383" y="951585"/>
-            <a:ext cx="2164823" cy="369332"/>
+            <a:ext cx="1039900" cy="369332"/>
           </a:xfrm>
           <a:prstGeom prst="rect">
             <a:avLst/>
@@ -4461,7 +4529,7 @@
                   </a:schemeClr>
                 </a:solidFill>
               </a:rPr>
-              <a:t>Linked list / structure</a:t>
+              <a:t>structure</a:t>
             </a:r>
             <a:endParaRPr kumimoji="1" lang="zh-TW" altLang="en-US" dirty="0">
               <a:solidFill>
@@ -4488,7 +4556,7 @@
         <p:spPr>
           <a:xfrm>
             <a:off x="5308626" y="2801073"/>
-            <a:ext cx="2054601" cy="369332"/>
+            <a:ext cx="1039900" cy="369332"/>
           </a:xfrm>
           <a:prstGeom prst="rect">
             <a:avLst/>
@@ -4509,7 +4577,7 @@
                   </a:schemeClr>
                 </a:solidFill>
               </a:rPr>
-              <a:t>Linked list/structure</a:t>
+              <a:t>structure</a:t>
             </a:r>
             <a:endParaRPr kumimoji="1" lang="zh-TW" altLang="en-US" dirty="0">
               <a:solidFill>
@@ -6891,77 +6959,6 @@
       </p:sp>
       <p:sp>
         <p:nvSpPr>
-          <p:cNvPr id="18" name="文字方塊 17">
-            <a:extLst>
-              <a:ext uri="{FF2B5EF4-FFF2-40B4-BE49-F238E27FC236}">
-                <a16:creationId xmlns:a16="http://schemas.microsoft.com/office/drawing/2014/main" id="{9BED4A8A-9BBC-C18C-760D-E1429AA96E15}"/>
-              </a:ext>
-            </a:extLst>
-          </p:cNvPr>
-          <p:cNvSpPr txBox="1"/>
-          <p:nvPr/>
-        </p:nvSpPr>
-        <p:spPr>
-          <a:xfrm>
-            <a:off x="1010653" y="6148137"/>
-            <a:ext cx="445956" cy="369332"/>
-          </a:xfrm>
-          <a:prstGeom prst="rect">
-            <a:avLst/>
-          </a:prstGeom>
-          <a:noFill/>
-        </p:spPr>
-        <p:txBody>
-          <a:bodyPr wrap="none" rtlCol="0">
-            <a:spAutoFit/>
-          </a:bodyPr>
-          <a:lstStyle/>
-          <a:p>
-            <a:r>
-              <a:rPr kumimoji="1" lang="en-US" altLang="zh-TW" dirty="0"/>
-              <a:t>{2}</a:t>
-            </a:r>
-            <a:endParaRPr kumimoji="1" lang="zh-TW" altLang="en-US" dirty="0"/>
-          </a:p>
-        </p:txBody>
-      </p:sp>
-      <p:sp>
-        <p:nvSpPr>
-          <p:cNvPr id="19" name="文字方塊 18">
-            <a:extLst>
-              <a:ext uri="{FF2B5EF4-FFF2-40B4-BE49-F238E27FC236}">
-                <a16:creationId xmlns:a16="http://schemas.microsoft.com/office/drawing/2014/main" id="{1EB704EA-3AAB-DC4D-AE7F-300C73C83A7F}"/>
-              </a:ext>
-            </a:extLst>
-          </p:cNvPr>
-          <p:cNvSpPr txBox="1"/>
-          <p:nvPr/>
-        </p:nvSpPr>
-        <p:spPr>
-          <a:xfrm>
-            <a:off x="1783952" y="6304547"/>
-            <a:ext cx="2492990" cy="369332"/>
-          </a:xfrm>
-          <a:prstGeom prst="rect">
-            <a:avLst/>
-          </a:prstGeom>
-          <a:noFill/>
-        </p:spPr>
-        <p:txBody>
-          <a:bodyPr wrap="none" rtlCol="0">
-            <a:spAutoFit/>
-          </a:bodyPr>
-          <a:lstStyle/>
-          <a:p>
-            <a:r>
-              <a:rPr kumimoji="1" lang="zh-TW" altLang="en-US" dirty="0"/>
-              <a:t>我們再討論檔案的格式</a:t>
-            </a:r>
-          </a:p>
-        </p:txBody>
-      </p:sp>
-      <p:sp>
-        <p:nvSpPr>
           <p:cNvPr id="20" name="文字方塊 19">
             <a:extLst>
               <a:ext uri="{FF2B5EF4-FFF2-40B4-BE49-F238E27FC236}">
@@ -7112,14 +7109,14 @@
           <p:nvPr>
             <p:extLst>
               <p:ext uri="{D42A27DB-BD31-4B8C-83A1-F6EECF244321}">
-                <p14:modId xmlns:p14="http://schemas.microsoft.com/office/powerpoint/2010/main" val="2804905626"/>
+                <p14:modId xmlns:p14="http://schemas.microsoft.com/office/powerpoint/2010/main" val="1345686322"/>
               </p:ext>
             </p:extLst>
           </p:nvPr>
         </p:nvGraphicFramePr>
         <p:xfrm>
-          <a:off x="1118155" y="353461"/>
-          <a:ext cx="3767650" cy="1559560"/>
+          <a:off x="1118154" y="353461"/>
+          <a:ext cx="3863596" cy="1559560"/>
         </p:xfrm>
         <a:graphic>
           <a:graphicData uri="http://schemas.openxmlformats.org/drawingml/2006/table">
@@ -7128,70 +7125,77 @@
                 <a:tableStyleId>{5C22544A-7EE6-4342-B048-85BDC9FD1C3A}</a:tableStyleId>
               </a:tblPr>
               <a:tblGrid>
-                <a:gridCol w="376765">
+                <a:gridCol w="351236">
                   <a:extLst>
                     <a:ext uri="{9D8B030D-6E8A-4147-A177-3AD203B41FA5}">
                       <a16:colId xmlns:a16="http://schemas.microsoft.com/office/drawing/2014/main" val="2858611221"/>
                     </a:ext>
                   </a:extLst>
                 </a:gridCol>
-                <a:gridCol w="376765">
+                <a:gridCol w="351236">
                   <a:extLst>
                     <a:ext uri="{9D8B030D-6E8A-4147-A177-3AD203B41FA5}">
                       <a16:colId xmlns:a16="http://schemas.microsoft.com/office/drawing/2014/main" val="2186197128"/>
                     </a:ext>
                   </a:extLst>
                 </a:gridCol>
-                <a:gridCol w="376765">
+                <a:gridCol w="351236">
                   <a:extLst>
                     <a:ext uri="{9D8B030D-6E8A-4147-A177-3AD203B41FA5}">
                       <a16:colId xmlns:a16="http://schemas.microsoft.com/office/drawing/2014/main" val="3109274087"/>
                     </a:ext>
                   </a:extLst>
                 </a:gridCol>
-                <a:gridCol w="376765">
+                <a:gridCol w="351236">
                   <a:extLst>
                     <a:ext uri="{9D8B030D-6E8A-4147-A177-3AD203B41FA5}">
                       <a16:colId xmlns:a16="http://schemas.microsoft.com/office/drawing/2014/main" val="49729136"/>
                     </a:ext>
                   </a:extLst>
                 </a:gridCol>
-                <a:gridCol w="376765">
+                <a:gridCol w="351236">
                   <a:extLst>
                     <a:ext uri="{9D8B030D-6E8A-4147-A177-3AD203B41FA5}">
                       <a16:colId xmlns:a16="http://schemas.microsoft.com/office/drawing/2014/main" val="1177570816"/>
                     </a:ext>
                   </a:extLst>
                 </a:gridCol>
-                <a:gridCol w="376765">
+                <a:gridCol w="351236">
                   <a:extLst>
                     <a:ext uri="{9D8B030D-6E8A-4147-A177-3AD203B41FA5}">
                       <a16:colId xmlns:a16="http://schemas.microsoft.com/office/drawing/2014/main" val="2622603265"/>
                     </a:ext>
                   </a:extLst>
                 </a:gridCol>
-                <a:gridCol w="376765">
+                <a:gridCol w="351236">
+                  <a:extLst>
+                    <a:ext uri="{9D8B030D-6E8A-4147-A177-3AD203B41FA5}">
+                      <a16:colId xmlns:a16="http://schemas.microsoft.com/office/drawing/2014/main" val="3591635548"/>
+                    </a:ext>
+                  </a:extLst>
+                </a:gridCol>
+                <a:gridCol w="351236">
                   <a:extLst>
                     <a:ext uri="{9D8B030D-6E8A-4147-A177-3AD203B41FA5}">
                       <a16:colId xmlns:a16="http://schemas.microsoft.com/office/drawing/2014/main" val="759417621"/>
                     </a:ext>
                   </a:extLst>
                 </a:gridCol>
-                <a:gridCol w="376765">
+                <a:gridCol w="351236">
                   <a:extLst>
                     <a:ext uri="{9D8B030D-6E8A-4147-A177-3AD203B41FA5}">
                       <a16:colId xmlns:a16="http://schemas.microsoft.com/office/drawing/2014/main" val="2796036593"/>
                     </a:ext>
                   </a:extLst>
                 </a:gridCol>
-                <a:gridCol w="376765">
+                <a:gridCol w="351236">
                   <a:extLst>
                     <a:ext uri="{9D8B030D-6E8A-4147-A177-3AD203B41FA5}">
                       <a16:colId xmlns:a16="http://schemas.microsoft.com/office/drawing/2014/main" val="2524246151"/>
                     </a:ext>
                   </a:extLst>
                 </a:gridCol>
-                <a:gridCol w="376765">
+                <a:gridCol w="351236">
                   <a:extLst>
                     <a:ext uri="{9D8B030D-6E8A-4147-A177-3AD203B41FA5}">
                       <a16:colId xmlns:a16="http://schemas.microsoft.com/office/drawing/2014/main" val="2195110110"/>
@@ -7284,6 +7288,20 @@
                     <a:lstStyle/>
                     <a:p>
                       <a:r>
+                        <a:rPr lang="en-US" altLang="zh-TW" dirty="0"/>
+                        <a:t>ISBN</a:t>
+                      </a:r>
+                      <a:endParaRPr lang="zh-TW" altLang="en-US" dirty="0"/>
+                    </a:p>
+                  </a:txBody>
+                  <a:tcPr/>
+                </a:tc>
+                <a:tc>
+                  <a:txBody>
+                    <a:bodyPr/>
+                    <a:lstStyle/>
+                    <a:p>
+                      <a:r>
                         <a:rPr lang="zh-TW" altLang="en-US" dirty="0"/>
                         <a:t>翻譯</a:t>
                       </a:r>
@@ -7353,6 +7371,16 @@
                     <a:lstStyle/>
                     <a:p>
                       <a:endParaRPr lang="zh-TW" altLang="en-US"/>
+                    </a:p>
+                  </a:txBody>
+                  <a:tcPr/>
+                </a:tc>
+                <a:tc>
+                  <a:txBody>
+                    <a:bodyPr/>
+                    <a:lstStyle/>
+                    <a:p>
+                      <a:endParaRPr lang="zh-TW" altLang="en-US" dirty="0"/>
                     </a:p>
                   </a:txBody>
                   <a:tcPr/>
@@ -7461,7 +7489,7 @@
         </p:nvSpPr>
         <p:spPr>
           <a:xfrm>
-            <a:off x="4861603" y="851139"/>
+            <a:off x="5137488" y="828804"/>
             <a:ext cx="1800493" cy="369332"/>
           </a:xfrm>
           <a:prstGeom prst="rect">
@@ -8235,85 +8263,6 @@
           </a:graphicData>
         </a:graphic>
       </p:graphicFrame>
-      <p:sp>
-        <p:nvSpPr>
-          <p:cNvPr id="7" name="文字方塊 6">
-            <a:extLst>
-              <a:ext uri="{FF2B5EF4-FFF2-40B4-BE49-F238E27FC236}">
-                <a16:creationId xmlns:a16="http://schemas.microsoft.com/office/drawing/2014/main" id="{52BB65A3-A0AD-FD2C-DD74-A85B7F746B2C}"/>
-              </a:ext>
-            </a:extLst>
-          </p:cNvPr>
-          <p:cNvSpPr txBox="1"/>
-          <p:nvPr/>
-        </p:nvSpPr>
-        <p:spPr>
-          <a:xfrm>
-            <a:off x="536641" y="3289226"/>
-            <a:ext cx="442750" cy="369332"/>
-          </a:xfrm>
-          <a:prstGeom prst="rect">
-            <a:avLst/>
-          </a:prstGeom>
-          <a:noFill/>
-        </p:spPr>
-        <p:txBody>
-          <a:bodyPr wrap="none" rtlCol="0">
-            <a:spAutoFit/>
-          </a:bodyPr>
-          <a:lstStyle/>
-          <a:p>
-            <a:r>
-              <a:rPr kumimoji="1" lang="en-US" altLang="zh-TW" dirty="0"/>
-              <a:t>(6)</a:t>
-            </a:r>
-            <a:endParaRPr kumimoji="1" lang="zh-TW" altLang="en-US" dirty="0"/>
-          </a:p>
-        </p:txBody>
-      </p:sp>
-      <p:sp>
-        <p:nvSpPr>
-          <p:cNvPr id="8" name="文字方塊 7">
-            <a:extLst>
-              <a:ext uri="{FF2B5EF4-FFF2-40B4-BE49-F238E27FC236}">
-                <a16:creationId xmlns:a16="http://schemas.microsoft.com/office/drawing/2014/main" id="{106FC4C8-3F88-7A68-8363-BE1FBD6059A4}"/>
-              </a:ext>
-            </a:extLst>
-          </p:cNvPr>
-          <p:cNvSpPr txBox="1"/>
-          <p:nvPr/>
-        </p:nvSpPr>
-        <p:spPr>
-          <a:xfrm>
-            <a:off x="979391" y="3561215"/>
-            <a:ext cx="4361643" cy="369332"/>
-          </a:xfrm>
-          <a:prstGeom prst="rect">
-            <a:avLst/>
-          </a:prstGeom>
-          <a:noFill/>
-        </p:spPr>
-        <p:txBody>
-          <a:bodyPr wrap="none" rtlCol="0">
-            <a:spAutoFit/>
-          </a:bodyPr>
-          <a:lstStyle/>
-          <a:p>
-            <a:r>
-              <a:rPr kumimoji="1" lang="zh-TW" altLang="en-US" dirty="0"/>
-              <a:t>應該是匯成</a:t>
-            </a:r>
-            <a:r>
-              <a:rPr kumimoji="1" lang="en-US" altLang="zh-TW" dirty="0"/>
-              <a:t>word</a:t>
-            </a:r>
-            <a:r>
-              <a:rPr kumimoji="1" lang="zh-TW" altLang="en-US" dirty="0"/>
-              <a:t>，我們再討論檔案的格式</a:t>
-            </a:r>
-          </a:p>
-        </p:txBody>
-      </p:sp>
       <p:sp>
         <p:nvSpPr>
           <p:cNvPr id="9" name="文字方塊 8">

--- a/Store/outline.pptx
+++ b/Store/outline.pptx
@@ -266,7 +266,7 @@
           <a:p>
             <a:fld id="{95B7E5AE-4E20-4443-8EB7-6826520C18AF}" type="datetimeFigureOut">
               <a:rPr kumimoji="1" lang="zh-TW" altLang="en-US" smtClean="0"/>
-              <a:t>2023/5/7</a:t>
+              <a:t>2023/5/11</a:t>
             </a:fld>
             <a:endParaRPr kumimoji="1" lang="zh-TW" altLang="en-US"/>
           </a:p>
@@ -464,7 +464,7 @@
           <a:p>
             <a:fld id="{95B7E5AE-4E20-4443-8EB7-6826520C18AF}" type="datetimeFigureOut">
               <a:rPr kumimoji="1" lang="zh-TW" altLang="en-US" smtClean="0"/>
-              <a:t>2023/5/7</a:t>
+              <a:t>2023/5/11</a:t>
             </a:fld>
             <a:endParaRPr kumimoji="1" lang="zh-TW" altLang="en-US"/>
           </a:p>
@@ -672,7 +672,7 @@
           <a:p>
             <a:fld id="{95B7E5AE-4E20-4443-8EB7-6826520C18AF}" type="datetimeFigureOut">
               <a:rPr kumimoji="1" lang="zh-TW" altLang="en-US" smtClean="0"/>
-              <a:t>2023/5/7</a:t>
+              <a:t>2023/5/11</a:t>
             </a:fld>
             <a:endParaRPr kumimoji="1" lang="zh-TW" altLang="en-US"/>
           </a:p>
@@ -870,7 +870,7 @@
           <a:p>
             <a:fld id="{95B7E5AE-4E20-4443-8EB7-6826520C18AF}" type="datetimeFigureOut">
               <a:rPr kumimoji="1" lang="zh-TW" altLang="en-US" smtClean="0"/>
-              <a:t>2023/5/7</a:t>
+              <a:t>2023/5/11</a:t>
             </a:fld>
             <a:endParaRPr kumimoji="1" lang="zh-TW" altLang="en-US"/>
           </a:p>
@@ -1145,7 +1145,7 @@
           <a:p>
             <a:fld id="{95B7E5AE-4E20-4443-8EB7-6826520C18AF}" type="datetimeFigureOut">
               <a:rPr kumimoji="1" lang="zh-TW" altLang="en-US" smtClean="0"/>
-              <a:t>2023/5/7</a:t>
+              <a:t>2023/5/11</a:t>
             </a:fld>
             <a:endParaRPr kumimoji="1" lang="zh-TW" altLang="en-US"/>
           </a:p>
@@ -1410,7 +1410,7 @@
           <a:p>
             <a:fld id="{95B7E5AE-4E20-4443-8EB7-6826520C18AF}" type="datetimeFigureOut">
               <a:rPr kumimoji="1" lang="zh-TW" altLang="en-US" smtClean="0"/>
-              <a:t>2023/5/7</a:t>
+              <a:t>2023/5/11</a:t>
             </a:fld>
             <a:endParaRPr kumimoji="1" lang="zh-TW" altLang="en-US"/>
           </a:p>
@@ -1822,7 +1822,7 @@
           <a:p>
             <a:fld id="{95B7E5AE-4E20-4443-8EB7-6826520C18AF}" type="datetimeFigureOut">
               <a:rPr kumimoji="1" lang="zh-TW" altLang="en-US" smtClean="0"/>
-              <a:t>2023/5/7</a:t>
+              <a:t>2023/5/11</a:t>
             </a:fld>
             <a:endParaRPr kumimoji="1" lang="zh-TW" altLang="en-US"/>
           </a:p>
@@ -1963,7 +1963,7 @@
           <a:p>
             <a:fld id="{95B7E5AE-4E20-4443-8EB7-6826520C18AF}" type="datetimeFigureOut">
               <a:rPr kumimoji="1" lang="zh-TW" altLang="en-US" smtClean="0"/>
-              <a:t>2023/5/7</a:t>
+              <a:t>2023/5/11</a:t>
             </a:fld>
             <a:endParaRPr kumimoji="1" lang="zh-TW" altLang="en-US"/>
           </a:p>
@@ -2076,7 +2076,7 @@
           <a:p>
             <a:fld id="{95B7E5AE-4E20-4443-8EB7-6826520C18AF}" type="datetimeFigureOut">
               <a:rPr kumimoji="1" lang="zh-TW" altLang="en-US" smtClean="0"/>
-              <a:t>2023/5/7</a:t>
+              <a:t>2023/5/11</a:t>
             </a:fld>
             <a:endParaRPr kumimoji="1" lang="zh-TW" altLang="en-US"/>
           </a:p>
@@ -2387,7 +2387,7 @@
           <a:p>
             <a:fld id="{95B7E5AE-4E20-4443-8EB7-6826520C18AF}" type="datetimeFigureOut">
               <a:rPr kumimoji="1" lang="zh-TW" altLang="en-US" smtClean="0"/>
-              <a:t>2023/5/7</a:t>
+              <a:t>2023/5/11</a:t>
             </a:fld>
             <a:endParaRPr kumimoji="1" lang="zh-TW" altLang="en-US"/>
           </a:p>
@@ -2675,7 +2675,7 @@
           <a:p>
             <a:fld id="{95B7E5AE-4E20-4443-8EB7-6826520C18AF}" type="datetimeFigureOut">
               <a:rPr kumimoji="1" lang="zh-TW" altLang="en-US" smtClean="0"/>
-              <a:t>2023/5/7</a:t>
+              <a:t>2023/5/11</a:t>
             </a:fld>
             <a:endParaRPr kumimoji="1" lang="zh-TW" altLang="en-US"/>
           </a:p>
@@ -2916,7 +2916,7 @@
           <a:p>
             <a:fld id="{95B7E5AE-4E20-4443-8EB7-6826520C18AF}" type="datetimeFigureOut">
               <a:rPr kumimoji="1" lang="zh-TW" altLang="en-US" smtClean="0"/>
-              <a:t>2023/5/7</a:t>
+              <a:t>2023/5/11</a:t>
             </a:fld>
             <a:endParaRPr kumimoji="1" lang="zh-TW" altLang="en-US"/>
           </a:p>
@@ -5517,7 +5517,7 @@
         </p:nvSpPr>
         <p:spPr>
           <a:xfrm>
-            <a:off x="1117548" y="4679257"/>
+            <a:off x="573329" y="4689765"/>
             <a:ext cx="1992853" cy="1200329"/>
           </a:xfrm>
           <a:prstGeom prst="rect">
@@ -5642,7 +5642,7 @@
         </p:nvSpPr>
         <p:spPr>
           <a:xfrm>
-            <a:off x="1117548" y="5865640"/>
+            <a:off x="573329" y="5876148"/>
             <a:ext cx="6750566" cy="369332"/>
           </a:xfrm>
           <a:prstGeom prst="rect">
@@ -5688,7 +5688,7 @@
         </p:nvSpPr>
         <p:spPr>
           <a:xfrm>
-            <a:off x="1177665" y="6276461"/>
+            <a:off x="633446" y="6286969"/>
             <a:ext cx="6878806" cy="369332"/>
           </a:xfrm>
           <a:prstGeom prst="rect">
@@ -5935,7 +5935,7 @@
             </a:r>
             <a:r>
               <a:rPr kumimoji="1" lang="en-US" altLang="zh-TW" dirty="0"/>
-              <a:t>(7)</a:t>
+              <a:t>(6)</a:t>
             </a:r>
             <a:r>
               <a:rPr kumimoji="1" lang="zh-TW" altLang="en-US" dirty="0"/>
@@ -5943,7 +5943,7 @@
             </a:r>
             <a:r>
               <a:rPr kumimoji="1" lang="en-US" altLang="zh-TW" dirty="0"/>
-              <a:t> (8)</a:t>
+              <a:t> (7)</a:t>
             </a:r>
             <a:r>
               <a:rPr kumimoji="1" lang="zh-TW" altLang="en-US" dirty="0"/>
@@ -6545,7 +6545,7 @@
             </a:r>
             <a:r>
               <a:rPr kumimoji="1" lang="en-US" altLang="zh-TW" dirty="0"/>
-              <a:t>{3}</a:t>
+              <a:t>{2}</a:t>
             </a:r>
             <a:r>
               <a:rPr kumimoji="1" lang="zh-TW" altLang="en-US" dirty="0"/>
@@ -8277,7 +8277,7 @@
         </p:nvSpPr>
         <p:spPr>
           <a:xfrm>
-            <a:off x="536641" y="4231337"/>
+            <a:off x="536641" y="3677885"/>
             <a:ext cx="442750" cy="369332"/>
           </a:xfrm>
           <a:prstGeom prst="rect">
@@ -8293,7 +8293,7 @@
           <a:p>
             <a:r>
               <a:rPr kumimoji="1" lang="en-US" altLang="zh-TW" dirty="0"/>
-              <a:t>(7)</a:t>
+              <a:t>(6)</a:t>
             </a:r>
             <a:endParaRPr kumimoji="1" lang="zh-TW" altLang="en-US" dirty="0"/>
           </a:p>
@@ -8313,7 +8313,7 @@
         </p:nvSpPr>
         <p:spPr>
           <a:xfrm>
-            <a:off x="839321" y="5173448"/>
+            <a:off x="839321" y="4619996"/>
             <a:ext cx="1293944" cy="369332"/>
           </a:xfrm>
           <a:prstGeom prst="rect">
@@ -8352,7 +8352,7 @@
         </p:nvSpPr>
         <p:spPr>
           <a:xfrm>
-            <a:off x="850806" y="5678230"/>
+            <a:off x="850806" y="5124778"/>
             <a:ext cx="935064" cy="369332"/>
           </a:xfrm>
           <a:prstGeom prst="rect">
@@ -8507,7 +8507,7 @@
         </p:nvSpPr>
         <p:spPr>
           <a:xfrm>
-            <a:off x="839321" y="4668666"/>
+            <a:off x="839321" y="4115214"/>
             <a:ext cx="2954655" cy="369332"/>
           </a:xfrm>
           <a:prstGeom prst="rect">
@@ -8558,7 +8558,7 @@
           <a:p>
             <a:r>
               <a:rPr kumimoji="1" lang="en-US" altLang="zh-TW" dirty="0"/>
-              <a:t>(8)</a:t>
+              <a:t>(7)</a:t>
             </a:r>
             <a:endParaRPr kumimoji="1" lang="zh-TW" altLang="en-US" dirty="0"/>
           </a:p>

--- a/Store/outline.pptx
+++ b/Store/outline.pptx
@@ -3364,6 +3364,17 @@
               </a:rPr>
               <a:t>第五組</a:t>
             </a:r>
+            <a:r>
+              <a:rPr kumimoji="1" lang="en-US" altLang="zh-TW" sz="8800" b="1">
+                <a:latin typeface="Microsoft JhengHei" panose="020B0604030504040204" pitchFamily="34" charset="-120"/>
+                <a:ea typeface="Microsoft JhengHei" panose="020B0604030504040204" pitchFamily="34" charset="-120"/>
+              </a:rPr>
+              <a:t> Unknown</a:t>
+            </a:r>
+            <a:endParaRPr kumimoji="1" lang="zh-TW" altLang="en-US" sz="8800" b="1" dirty="0">
+              <a:latin typeface="Microsoft JhengHei" panose="020B0604030504040204" pitchFamily="34" charset="-120"/>
+              <a:ea typeface="Microsoft JhengHei" panose="020B0604030504040204" pitchFamily="34" charset="-120"/>
+            </a:endParaRPr>
           </a:p>
         </p:txBody>
       </p:sp>
